--- a/Slides/ECTTP_Les_8.pptx
+++ b/Slides/ECTTP_Les_8.pptx
@@ -5,7 +5,7 @@
     <p:sldMasterId id="2147483660" r:id="rId1"/>
   </p:sldMasterIdLst>
   <p:notesMasterIdLst>
-    <p:notesMasterId r:id="rId19"/>
+    <p:notesMasterId r:id="rId20"/>
   </p:notesMasterIdLst>
   <p:sldIdLst>
     <p:sldId id="354" r:id="rId2"/>
@@ -24,7 +24,8 @@
     <p:sldId id="385" r:id="rId15"/>
     <p:sldId id="386" r:id="rId16"/>
     <p:sldId id="373" r:id="rId17"/>
-    <p:sldId id="273" r:id="rId18"/>
+    <p:sldId id="387" r:id="rId18"/>
+    <p:sldId id="273" r:id="rId19"/>
   </p:sldIdLst>
   <p:sldSz cx="9144000" cy="6858000" type="screen4x3"/>
   <p:notesSz cx="6858000" cy="9144000"/>
@@ -208,7 +209,7 @@
           <a:p>
             <a:fld id="{982F5773-A4C2-49AD-B804-F6F9DAD548FC}" type="datetimeFigureOut">
               <a:rPr lang="nl-NL" smtClean="0"/>
-              <a:t>18-10-2016</a:t>
+              <a:t>19-10-2016</a:t>
             </a:fld>
             <a:endParaRPr lang="nl-NL"/>
           </a:p>
@@ -668,7 +669,7 @@
           <a:p>
             <a:fld id="{DE04339C-2201-45A8-9ECB-B18791DD5D3F}" type="datetimeFigureOut">
               <a:rPr lang="nl-NL" smtClean="0"/>
-              <a:t>18-10-2016</a:t>
+              <a:t>19-10-2016</a:t>
             </a:fld>
             <a:endParaRPr lang="nl-NL"/>
           </a:p>
@@ -833,7 +834,7 @@
           <a:p>
             <a:fld id="{DE04339C-2201-45A8-9ECB-B18791DD5D3F}" type="datetimeFigureOut">
               <a:rPr lang="nl-NL" smtClean="0"/>
-              <a:t>18-10-2016</a:t>
+              <a:t>19-10-2016</a:t>
             </a:fld>
             <a:endParaRPr lang="nl-NL"/>
           </a:p>
@@ -1008,7 +1009,7 @@
           <a:p>
             <a:fld id="{DE04339C-2201-45A8-9ECB-B18791DD5D3F}" type="datetimeFigureOut">
               <a:rPr lang="nl-NL" smtClean="0"/>
-              <a:t>18-10-2016</a:t>
+              <a:t>19-10-2016</a:t>
             </a:fld>
             <a:endParaRPr lang="nl-NL"/>
           </a:p>
@@ -1191,7 +1192,7 @@
           <a:p>
             <a:fld id="{DE04339C-2201-45A8-9ECB-B18791DD5D3F}" type="datetimeFigureOut">
               <a:rPr lang="nl-NL" smtClean="0"/>
-              <a:t>18-10-2016</a:t>
+              <a:t>19-10-2016</a:t>
             </a:fld>
             <a:endParaRPr lang="nl-NL"/>
           </a:p>
@@ -1453,7 +1454,7 @@
           <a:p>
             <a:fld id="{DE04339C-2201-45A8-9ECB-B18791DD5D3F}" type="datetimeFigureOut">
               <a:rPr lang="nl-NL" smtClean="0"/>
-              <a:t>18-10-2016</a:t>
+              <a:t>19-10-2016</a:t>
             </a:fld>
             <a:endParaRPr lang="nl-NL"/>
           </a:p>
@@ -1801,7 +1802,7 @@
           <a:p>
             <a:fld id="{DE04339C-2201-45A8-9ECB-B18791DD5D3F}" type="datetimeFigureOut">
               <a:rPr lang="nl-NL" smtClean="0"/>
-              <a:t>18-10-2016</a:t>
+              <a:t>19-10-2016</a:t>
             </a:fld>
             <a:endParaRPr lang="nl-NL"/>
           </a:p>
@@ -2109,7 +2110,7 @@
           <a:p>
             <a:fld id="{DE04339C-2201-45A8-9ECB-B18791DD5D3F}" type="datetimeFigureOut">
               <a:rPr lang="nl-NL" smtClean="0"/>
-              <a:t>18-10-2016</a:t>
+              <a:t>19-10-2016</a:t>
             </a:fld>
             <a:endParaRPr lang="nl-NL"/>
           </a:p>
@@ -2336,7 +2337,7 @@
           <a:p>
             <a:fld id="{DE04339C-2201-45A8-9ECB-B18791DD5D3F}" type="datetimeFigureOut">
               <a:rPr lang="nl-NL" smtClean="0"/>
-              <a:t>18-10-2016</a:t>
+              <a:t>19-10-2016</a:t>
             </a:fld>
             <a:endParaRPr lang="nl-NL"/>
           </a:p>
@@ -2426,7 +2427,7 @@
           <a:p>
             <a:fld id="{DE04339C-2201-45A8-9ECB-B18791DD5D3F}" type="datetimeFigureOut">
               <a:rPr lang="nl-NL" smtClean="0"/>
-              <a:t>18-10-2016</a:t>
+              <a:t>19-10-2016</a:t>
             </a:fld>
             <a:endParaRPr lang="nl-NL"/>
           </a:p>
@@ -2714,7 +2715,7 @@
           <a:p>
             <a:fld id="{DE04339C-2201-45A8-9ECB-B18791DD5D3F}" type="datetimeFigureOut">
               <a:rPr lang="nl-NL" smtClean="0"/>
-              <a:t>18-10-2016</a:t>
+              <a:t>19-10-2016</a:t>
             </a:fld>
             <a:endParaRPr lang="nl-NL"/>
           </a:p>
@@ -2983,7 +2984,7 @@
           <a:p>
             <a:fld id="{DE04339C-2201-45A8-9ECB-B18791DD5D3F}" type="datetimeFigureOut">
               <a:rPr lang="nl-NL" smtClean="0"/>
-              <a:t>18-10-2016</a:t>
+              <a:t>19-10-2016</a:t>
             </a:fld>
             <a:endParaRPr lang="nl-NL"/>
           </a:p>
@@ -3193,7 +3194,7 @@
           <a:p>
             <a:fld id="{DE04339C-2201-45A8-9ECB-B18791DD5D3F}" type="datetimeFigureOut">
               <a:rPr lang="nl-NL" smtClean="0"/>
-              <a:t>18-10-2016</a:t>
+              <a:t>19-10-2016</a:t>
             </a:fld>
             <a:endParaRPr lang="nl-NL"/>
           </a:p>
@@ -4298,10 +4299,6 @@
               <a:rPr lang="en-US" dirty="0"/>
               <a:t> hi ho') → 1</a:t>
             </a:r>
-            <a:r>
-              <a:rPr lang="en-US" dirty="0"/>
-              <a:t/>
-            </a:r>
             <a:br>
               <a:rPr lang="en-US" dirty="0"/>
             </a:br>
@@ -4320,10 +4317,6 @@
             <a:r>
               <a:rPr lang="en-US" dirty="0"/>
               <a:t> hi') → 2</a:t>
-            </a:r>
-            <a:r>
-              <a:rPr lang="en-US" dirty="0"/>
-              <a:t/>
             </a:r>
             <a:br>
               <a:rPr lang="en-US" dirty="0"/>
@@ -4427,6 +4420,13 @@
   <p:clrMapOvr>
     <a:masterClrMapping/>
   </p:clrMapOvr>
+  <p:timing>
+    <p:tnLst>
+      <p:par>
+        <p:cTn id="1" dur="indefinite" restart="never" nodeType="tmRoot"/>
+      </p:par>
+    </p:tnLst>
+  </p:timing>
 </p:sld>
 </file>
 
@@ -4552,10 +4552,6 @@
               <a:rPr lang="en-US" dirty="0"/>
               <a:t> hi ho') → 1</a:t>
             </a:r>
-            <a:r>
-              <a:rPr lang="en-US" dirty="0"/>
-              <a:t/>
-            </a:r>
             <a:br>
               <a:rPr lang="en-US" dirty="0"/>
             </a:br>
@@ -4574,10 +4570,6 @@
             <a:r>
               <a:rPr lang="en-US" dirty="0"/>
               <a:t> hi') → 2</a:t>
-            </a:r>
-            <a:r>
-              <a:rPr lang="en-US" dirty="0"/>
-              <a:t/>
             </a:r>
             <a:br>
               <a:rPr lang="en-US" dirty="0"/>
@@ -4681,6 +4673,13 @@
   <p:clrMapOvr>
     <a:masterClrMapping/>
   </p:clrMapOvr>
+  <p:timing>
+    <p:tnLst>
+      <p:par>
+        <p:cTn id="1" dur="indefinite" restart="never" nodeType="tmRoot"/>
+      </p:par>
+    </p:tnLst>
+  </p:timing>
 </p:sld>
 </file>
 
@@ -4910,6 +4909,13 @@
   <p:clrMapOvr>
     <a:masterClrMapping/>
   </p:clrMapOvr>
+  <p:timing>
+    <p:tnLst>
+      <p:par>
+        <p:cTn id="1" dur="indefinite" restart="never" nodeType="tmRoot"/>
+      </p:par>
+    </p:tnLst>
+  </p:timing>
 </p:sld>
 </file>
 
@@ -5035,10 +5041,6 @@
               <a:rPr lang="en-US" dirty="0"/>
               <a:t> hi ho') → 1</a:t>
             </a:r>
-            <a:r>
-              <a:rPr lang="en-US" dirty="0"/>
-              <a:t/>
-            </a:r>
             <a:br>
               <a:rPr lang="en-US" dirty="0"/>
             </a:br>
@@ -5057,10 +5059,6 @@
             <a:r>
               <a:rPr lang="en-US" dirty="0"/>
               <a:t> hi') → 2</a:t>
-            </a:r>
-            <a:r>
-              <a:rPr lang="en-US" dirty="0"/>
-              <a:t/>
             </a:r>
             <a:br>
               <a:rPr lang="en-US" dirty="0"/>
@@ -5150,6 +5148,13 @@
   <p:clrMapOvr>
     <a:masterClrMapping/>
   </p:clrMapOvr>
+  <p:timing>
+    <p:tnLst>
+      <p:par>
+        <p:cTn id="1" dur="indefinite" restart="never" nodeType="tmRoot"/>
+      </p:par>
+    </p:tnLst>
+  </p:timing>
 </p:sld>
 </file>
 
@@ -5275,10 +5280,6 @@
               <a:rPr lang="en-US" dirty="0"/>
               <a:t> hi ho') → 1</a:t>
             </a:r>
-            <a:r>
-              <a:rPr lang="en-US" dirty="0"/>
-              <a:t/>
-            </a:r>
             <a:br>
               <a:rPr lang="en-US" dirty="0"/>
             </a:br>
@@ -5297,10 +5298,6 @@
             <a:r>
               <a:rPr lang="en-US" dirty="0"/>
               <a:t> hi') → 2</a:t>
-            </a:r>
-            <a:r>
-              <a:rPr lang="en-US" dirty="0"/>
-              <a:t/>
             </a:r>
             <a:br>
               <a:rPr lang="en-US" dirty="0"/>
@@ -5426,6 +5423,13 @@
   <p:clrMapOvr>
     <a:masterClrMapping/>
   </p:clrMapOvr>
+  <p:timing>
+    <p:tnLst>
+      <p:par>
+        <p:cTn id="1" dur="indefinite" restart="never" nodeType="tmRoot"/>
+      </p:par>
+    </p:tnLst>
+  </p:timing>
 </p:sld>
 </file>
 
@@ -5641,6 +5645,13 @@
   <p:clrMapOvr>
     <a:masterClrMapping/>
   </p:clrMapOvr>
+  <p:timing>
+    <p:tnLst>
+      <p:par>
+        <p:cTn id="1" dur="indefinite" restart="never" nodeType="tmRoot"/>
+      </p:par>
+    </p:tnLst>
+  </p:timing>
 </p:sld>
 </file>
 
@@ -5902,16 +5913,94 @@
           <a:lstStyle/>
           <a:p>
             <a:r>
+              <a:rPr lang="nl-NL" dirty="0" smtClean="0"/>
+              <a:t>Learn to Code!</a:t>
+            </a:r>
+            <a:endParaRPr lang="nl-NL" dirty="0"/>
+          </a:p>
+        </p:txBody>
+      </p:sp>
+      <p:sp>
+        <p:nvSpPr>
+          <p:cNvPr id="3" name="Content Placeholder 2"/>
+          <p:cNvSpPr>
+            <a:spLocks noGrp="1"/>
+          </p:cNvSpPr>
+          <p:nvPr>
+            <p:ph idx="1"/>
+          </p:nvPr>
+        </p:nvSpPr>
+        <p:spPr/>
+        <p:txBody>
+          <a:bodyPr/>
+          <a:lstStyle/>
+          <a:p>
+            <a:endParaRPr lang="nl-NL" dirty="0" smtClean="0"/>
+          </a:p>
+          <a:p>
+            <a:r>
+              <a:rPr lang="nl-NL" dirty="0" smtClean="0"/>
+              <a:t>https</a:t>
+            </a:r>
+            <a:r>
+              <a:rPr lang="nl-NL" dirty="0"/>
+              <a:t>://www.sololearn.com/Courses/</a:t>
+            </a:r>
+          </a:p>
+        </p:txBody>
+      </p:sp>
+    </p:spTree>
+    <p:extLst>
+      <p:ext uri="{BB962C8B-B14F-4D97-AF65-F5344CB8AC3E}">
+        <p14:creationId xmlns:p14="http://schemas.microsoft.com/office/powerpoint/2010/main" val="1467409791"/>
+      </p:ext>
+    </p:extLst>
+  </p:cSld>
+  <p:clrMapOvr>
+    <a:masterClrMapping/>
+  </p:clrMapOvr>
+</p:sld>
+</file>
+
+<file path=ppt/slides/slide18.xml><?xml version="1.0" encoding="utf-8"?>
+<p:sld xmlns:a="http://schemas.openxmlformats.org/drawingml/2006/main" xmlns:r="http://schemas.openxmlformats.org/officeDocument/2006/relationships" xmlns:p="http://schemas.openxmlformats.org/presentationml/2006/main">
+  <p:cSld>
+    <p:spTree>
+      <p:nvGrpSpPr>
+        <p:cNvPr id="1" name=""/>
+        <p:cNvGrpSpPr/>
+        <p:nvPr/>
+      </p:nvGrpSpPr>
+      <p:grpSpPr>
+        <a:xfrm>
+          <a:off x="0" y="0"/>
+          <a:ext cx="0" cy="0"/>
+          <a:chOff x="0" y="0"/>
+          <a:chExt cx="0" cy="0"/>
+        </a:xfrm>
+      </p:grpSpPr>
+      <p:sp>
+        <p:nvSpPr>
+          <p:cNvPr id="2" name="Title 1"/>
+          <p:cNvSpPr>
+            <a:spLocks noGrp="1"/>
+          </p:cNvSpPr>
+          <p:nvPr>
+            <p:ph type="title"/>
+          </p:nvPr>
+        </p:nvSpPr>
+        <p:spPr/>
+        <p:txBody>
+          <a:bodyPr/>
+          <a:lstStyle/>
+          <a:p>
+            <a:r>
               <a:rPr lang="nl-NL" dirty="0" err="1" smtClean="0"/>
               <a:t>Seventh</a:t>
             </a:r>
             <a:r>
               <a:rPr lang="nl-NL" dirty="0" smtClean="0"/>
-              <a:t> lab </a:t>
-            </a:r>
-            <a:r>
-              <a:rPr lang="nl-NL" dirty="0" smtClean="0"/>
-              <a:t>is online</a:t>
+              <a:t> lab is online</a:t>
             </a:r>
             <a:endParaRPr lang="nl-NL" dirty="0"/>
           </a:p>
@@ -6207,11 +6296,7 @@
           <a:p>
             <a:r>
               <a:rPr lang="en-US" b="1" dirty="0" smtClean="0"/>
-              <a:t>Week Seven:  </a:t>
-            </a:r>
-            <a:r>
-              <a:rPr lang="en-US" b="1" dirty="0" smtClean="0"/>
-              <a:t>How to think as a programmer </a:t>
+              <a:t>Week Seven:  How to think as a programmer </a:t>
             </a:r>
             <a:r>
               <a:rPr lang="en-US" b="1" dirty="0" smtClean="0">
@@ -6634,7 +6719,6 @@
               <a:rPr lang="en-US" dirty="0" smtClean="0"/>
               <a:t>Integer</a:t>
             </a:r>
-            <a:endParaRPr lang="en-US" dirty="0" smtClean="0"/>
           </a:p>
           <a:p>
             <a:r>
@@ -6935,6 +7019,13 @@
   <p:clrMapOvr>
     <a:masterClrMapping/>
   </p:clrMapOvr>
+  <p:timing>
+    <p:tnLst>
+      <p:par>
+        <p:cTn id="1" dur="indefinite" restart="never" nodeType="tmRoot"/>
+      </p:par>
+    </p:tnLst>
+  </p:timing>
 </p:sld>
 </file>
 
@@ -7058,6 +7149,13 @@
   <p:clrMapOvr>
     <a:masterClrMapping/>
   </p:clrMapOvr>
+  <p:timing>
+    <p:tnLst>
+      <p:par>
+        <p:cTn id="1" dur="indefinite" restart="never" nodeType="tmRoot"/>
+      </p:par>
+    </p:tnLst>
+  </p:timing>
 </p:sld>
 </file>
 
@@ -7181,10 +7279,6 @@
               <a:rPr lang="en-US" dirty="0"/>
               <a:t> hi ho') → 1</a:t>
             </a:r>
-            <a:r>
-              <a:rPr lang="en-US" dirty="0"/>
-              <a:t/>
-            </a:r>
             <a:br>
               <a:rPr lang="en-US" dirty="0"/>
             </a:br>
@@ -7203,10 +7297,6 @@
             <a:r>
               <a:rPr lang="en-US" dirty="0"/>
               <a:t> hi') → 2</a:t>
-            </a:r>
-            <a:r>
-              <a:rPr lang="en-US" dirty="0"/>
-              <a:t/>
             </a:r>
             <a:br>
               <a:rPr lang="en-US" dirty="0"/>
@@ -7268,6 +7358,13 @@
   <p:clrMapOvr>
     <a:masterClrMapping/>
   </p:clrMapOvr>
+  <p:timing>
+    <p:tnLst>
+      <p:par>
+        <p:cTn id="1" dur="indefinite" restart="never" nodeType="tmRoot"/>
+      </p:par>
+    </p:tnLst>
+  </p:timing>
 </p:sld>
 </file>
 
@@ -7393,10 +7490,6 @@
               <a:rPr lang="en-US" dirty="0"/>
               <a:t> hi ho') → 1</a:t>
             </a:r>
-            <a:r>
-              <a:rPr lang="en-US" dirty="0"/>
-              <a:t/>
-            </a:r>
             <a:br>
               <a:rPr lang="en-US" dirty="0"/>
             </a:br>
@@ -7415,10 +7508,6 @@
             <a:r>
               <a:rPr lang="en-US" dirty="0"/>
               <a:t> hi') → 2</a:t>
-            </a:r>
-            <a:r>
-              <a:rPr lang="en-US" dirty="0"/>
-              <a:t/>
             </a:r>
             <a:br>
               <a:rPr lang="en-US" dirty="0"/>
@@ -7511,6 +7600,13 @@
   <p:clrMapOvr>
     <a:masterClrMapping/>
   </p:clrMapOvr>
+  <p:timing>
+    <p:tnLst>
+      <p:par>
+        <p:cTn id="1" dur="indefinite" restart="never" nodeType="tmRoot"/>
+      </p:par>
+    </p:tnLst>
+  </p:timing>
 </p:sld>
 </file>
 
@@ -7636,10 +7732,6 @@
               <a:rPr lang="en-US" dirty="0"/>
               <a:t> hi ho') → 1</a:t>
             </a:r>
-            <a:r>
-              <a:rPr lang="en-US" dirty="0"/>
-              <a:t/>
-            </a:r>
             <a:br>
               <a:rPr lang="en-US" dirty="0"/>
             </a:br>
@@ -7658,10 +7750,6 @@
             <a:r>
               <a:rPr lang="en-US" dirty="0"/>
               <a:t> hi') → 2</a:t>
-            </a:r>
-            <a:r>
-              <a:rPr lang="en-US" dirty="0"/>
-              <a:t/>
             </a:r>
             <a:br>
               <a:rPr lang="en-US" dirty="0"/>
@@ -7761,6 +7849,13 @@
   <p:clrMapOvr>
     <a:masterClrMapping/>
   </p:clrMapOvr>
+  <p:timing>
+    <p:tnLst>
+      <p:par>
+        <p:cTn id="1" dur="indefinite" restart="never" nodeType="tmRoot"/>
+      </p:par>
+    </p:tnLst>
+  </p:timing>
 </p:sld>
 </file>
 
@@ -7910,6 +8005,13 @@
   <p:clrMapOvr>
     <a:masterClrMapping/>
   </p:clrMapOvr>
+  <p:timing>
+    <p:tnLst>
+      <p:par>
+        <p:cTn id="1" dur="indefinite" restart="never" nodeType="tmRoot"/>
+      </p:par>
+    </p:tnLst>
+  </p:timing>
 </p:sld>
 </file>
 
@@ -8035,10 +8137,6 @@
               <a:rPr lang="en-US" dirty="0"/>
               <a:t> hi ho') → 1</a:t>
             </a:r>
-            <a:r>
-              <a:rPr lang="en-US" dirty="0"/>
-              <a:t/>
-            </a:r>
             <a:br>
               <a:rPr lang="en-US" dirty="0"/>
             </a:br>
@@ -8057,10 +8155,6 @@
             <a:r>
               <a:rPr lang="en-US" dirty="0"/>
               <a:t> hi') → 2</a:t>
-            </a:r>
-            <a:r>
-              <a:rPr lang="en-US" dirty="0"/>
-              <a:t/>
             </a:r>
             <a:br>
               <a:rPr lang="en-US" dirty="0"/>
@@ -8150,6 +8244,13 @@
   <p:clrMapOvr>
     <a:masterClrMapping/>
   </p:clrMapOvr>
+  <p:timing>
+    <p:tnLst>
+      <p:par>
+        <p:cTn id="1" dur="indefinite" restart="never" nodeType="tmRoot"/>
+      </p:par>
+    </p:tnLst>
+  </p:timing>
 </p:sld>
 </file>
 
